--- a/projectPPT/마지막 발표.pptx
+++ b/projectPPT/마지막 발표.pptx
@@ -2,7 +2,7 @@
 <file path=ppt/presentation.xml><?xml version="1.0" encoding="utf-8"?>
 <p:presentation xmlns:a="http://schemas.openxmlformats.org/drawingml/2006/main" xmlns:r="http://schemas.openxmlformats.org/officeDocument/2006/relationships" xmlns:p="http://schemas.openxmlformats.org/presentationml/2006/main" saveSubsetFonts="1">
   <p:sldMasterIdLst>
-    <p:sldMasterId id="2147483682" r:id="rId13"/>
+    <p:sldMasterId id="2147483683" r:id="rId13"/>
   </p:sldMasterIdLst>
   <p:sldIdLst>
     <p:sldId id="256" r:id="rId15"/>
@@ -8927,36 +8927,6 @@
           <a:chExt cx="0" cy="0"/>
         </a:xfrm>
       </p:grpSpPr>
-      <p:pic>
-        <p:nvPicPr>
-          <p:cNvPr id="2" name="그림 1" descr="C:/Users/ì¬ì¤/AppData/Roaming/PolarisOffice/ETemp/13208_12509016/fImage775415541.png"/>
-          <p:cNvPicPr>
-            <a:picLocks noChangeAspect="1"/>
-          </p:cNvPicPr>
-          <p:nvPr/>
-        </p:nvPicPr>
-        <p:blipFill rotWithShape="1">
-          <a:blip r:embed="rId2">
-            <a:extLst>
-              <a:ext uri="{28A0092B-C50C-407E-A947-70E740481C1C}">
-                <a14:useLocalDpi xmlns:a14="http://schemas.microsoft.com/office/drawing/2010/main" val="0"/>
-              </a:ext>
-            </a:extLst>
-          </a:blip>
-          <a:srcRect/>
-          <a:stretch>
-            <a:fillRect/>
-          </a:stretch>
-        </p:blipFill>
-        <p:spPr>
-          <a:xfrm rot="0">
-            <a:off x="-1905" y="-240030"/>
-            <a:ext cx="7273925" cy="995045"/>
-          </a:xfrm>
-          <a:prstGeom prst="rect"/>
-          <a:noFill/>
-        </p:spPr>
-      </p:pic>
       <p:graphicFrame>
         <p:nvGraphicFramePr>
           <p:cNvPr id="3" name="표 1"/>
@@ -8966,8 +8936,8 @@
           <p:nvPr/>
         </p:nvGraphicFramePr>
         <p:xfrm>
-          <a:off x="-3175" y="756920"/>
-          <a:ext cx="9120506" cy="4434840"/>
+          <a:off x="-3175" y="1078865"/>
+          <a:ext cx="9120506" cy="4065270"/>
         </p:xfrm>
         <a:graphic>
           <a:graphicData uri="http://schemas.openxmlformats.org/drawingml/2006/table">
@@ -9086,7 +9056,7 @@
                           <a:latin typeface="맑은 고딕" charset="0"/>
                           <a:ea typeface="맑은 고딕" charset="0"/>
                         </a:rPr>
-                        <a:t>1</a:t>
+                        <a:t>Week of Oct 6</a:t>
                       </a:r>
                       <a:endParaRPr lang="ko-KR" altLang="en-US" sz="1800" dirty="0" smtClean="0">
                         <a:solidFill>
@@ -9166,7 +9136,7 @@
                           <a:latin typeface="맑은 고딕" charset="0"/>
                           <a:ea typeface="맑은 고딕" charset="0"/>
                         </a:rPr>
-                        <a:t>2</a:t>
+                        <a:t>Week of Oct 13</a:t>
                       </a:r>
                       <a:endParaRPr lang="ko-KR" altLang="en-US" sz="1800" dirty="0" smtClean="0">
                         <a:solidFill>
@@ -9246,7 +9216,7 @@
                           <a:latin typeface="맑은 고딕" charset="0"/>
                           <a:ea typeface="맑은 고딕" charset="0"/>
                         </a:rPr>
-                        <a:t>3</a:t>
+                        <a:t>Week of Oct 20</a:t>
                       </a:r>
                       <a:endParaRPr lang="ko-KR" altLang="en-US" sz="1800" dirty="0" smtClean="0">
                         <a:solidFill>
@@ -9326,7 +9296,7 @@
                           <a:latin typeface="맑은 고딕" charset="0"/>
                           <a:ea typeface="맑은 고딕" charset="0"/>
                         </a:rPr>
-                        <a:t>4</a:t>
+                        <a:t>Week of Oct 27</a:t>
                       </a:r>
                       <a:endParaRPr lang="ko-KR" altLang="en-US" sz="1800" dirty="0" smtClean="0">
                         <a:solidFill>
@@ -9406,7 +9376,7 @@
                           <a:latin typeface="맑은 고딕" charset="0"/>
                           <a:ea typeface="맑은 고딕" charset="0"/>
                         </a:rPr>
-                        <a:t>5</a:t>
+                        <a:t>Week of Nov 3</a:t>
                       </a:r>
                       <a:endParaRPr lang="ko-KR" altLang="en-US" sz="1800" dirty="0" smtClean="0">
                         <a:solidFill>
@@ -9486,7 +9456,7 @@
                           <a:latin typeface="맑은 고딕" charset="0"/>
                           <a:ea typeface="맑은 고딕" charset="0"/>
                         </a:rPr>
-                        <a:t>6</a:t>
+                        <a:t>Week of Nov 10</a:t>
                       </a:r>
                       <a:endParaRPr lang="ko-KR" altLang="en-US" sz="1800" dirty="0" smtClean="0">
                         <a:solidFill>
@@ -9566,7 +9536,7 @@
                           <a:latin typeface="맑은 고딕" charset="0"/>
                           <a:ea typeface="맑은 고딕" charset="0"/>
                         </a:rPr>
-                        <a:t>7</a:t>
+                        <a:t>Week of Nov 17</a:t>
                       </a:r>
                       <a:endParaRPr lang="ko-KR" altLang="en-US" sz="1800" dirty="0" smtClean="0">
                         <a:solidFill>
@@ -9646,7 +9616,7 @@
                           <a:latin typeface="맑은 고딕" charset="0"/>
                           <a:ea typeface="맑은 고딕" charset="0"/>
                         </a:rPr>
-                        <a:t>8</a:t>
+                        <a:t>Week of Nov 24</a:t>
                       </a:r>
                       <a:endParaRPr lang="ko-KR" altLang="en-US" sz="1800" dirty="0" smtClean="0">
                         <a:solidFill>
@@ -9726,7 +9696,7 @@
                           <a:latin typeface="맑은 고딕" charset="0"/>
                           <a:ea typeface="맑은 고딕" charset="0"/>
                         </a:rPr>
-                        <a:t>9</a:t>
+                        <a:t>Week of Dec 1</a:t>
                       </a:r>
                       <a:endParaRPr lang="ko-KR" altLang="en-US" sz="1800" dirty="0" smtClean="0">
                         <a:solidFill>
@@ -9806,7 +9776,7 @@
                           <a:latin typeface="맑은 고딕" charset="0"/>
                           <a:ea typeface="맑은 고딕" charset="0"/>
                         </a:rPr>
-                        <a:t>10</a:t>
+                        <a:t>Week of Dec 8</a:t>
                       </a:r>
                       <a:endParaRPr lang="ko-KR" altLang="en-US" sz="1800" dirty="0" smtClean="0">
                         <a:solidFill>
@@ -9845,87 +9815,7 @@
                           <a:latin typeface="맑은 고딕" charset="0"/>
                           <a:ea typeface="맑은 고딕" charset="0"/>
                         </a:rPr>
-                        <a:t>?</a:t>
-                      </a:r>
-                      <a:endParaRPr lang="ko-KR" altLang="en-US" sz="1800" dirty="0" smtClean="0">
-                        <a:solidFill>
-                          <a:schemeClr val="dk1"/>
-                        </a:solidFill>
-                        <a:latin typeface="맑은 고딕" charset="0"/>
-                        <a:ea typeface="맑은 고딕" charset="0"/>
-                      </a:endParaRPr>
-                    </a:p>
-                  </a:txBody>
-                  <a:tcPr marL="90170" marR="90170" marT="46990" marB="46990" anchor="t"/>
-                </a:tc>
-              </a:tr>
-              <a:tr h="369570">
-                <a:tc>
-                  <a:txBody>
-                    <a:bodyPr/>
-                    <a:lstStyle/>
-                    <a:p>
-                      <a:pPr marL="0" indent="0" algn="l" fontAlgn="auto" defTabSz="508000" eaLnBrk="0">
-                        <a:lnSpc>
-                          <a:spcPct val="100000"/>
-                        </a:lnSpc>
-                        <a:spcBef>
-                          <a:spcPts val="0"/>
-                        </a:spcBef>
-                        <a:spcAft>
-                          <a:spcPts val="0"/>
-                        </a:spcAft>
-                        <a:buFontTx/>
-                        <a:buNone/>
-                      </a:pPr>
-                      <a:r>
-                        <a:rPr lang="en-US" altLang="ko-KR" sz="1800" dirty="0" smtClean="0">
-                          <a:solidFill>
-                            <a:schemeClr val="dk1"/>
-                          </a:solidFill>
-                          <a:latin typeface="맑은 고딕" charset="0"/>
-                          <a:ea typeface="맑은 고딕" charset="0"/>
-                        </a:rPr>
-                        <a:t>평균</a:t>
-                      </a:r>
-                      <a:endParaRPr lang="ko-KR" altLang="en-US" sz="1800" dirty="0" smtClean="0">
-                        <a:solidFill>
-                          <a:schemeClr val="dk1"/>
-                        </a:solidFill>
-                        <a:latin typeface="맑은 고딕" charset="0"/>
-                        <a:ea typeface="맑은 고딕" charset="0"/>
-                      </a:endParaRPr>
-                    </a:p>
-                  </a:txBody>
-                  <a:tcPr marL="90170" marR="90170" marT="46990" marB="46990" anchor="t"/>
-                </a:tc>
-                <a:tc>
-                  <a:txBody>
-                    <a:bodyPr/>
-                    <a:lstStyle/>
-                    <a:p>
-                      <a:pPr marL="0" indent="0" algn="l" fontAlgn="auto" defTabSz="508000" eaLnBrk="0">
-                        <a:lnSpc>
-                          <a:spcPct val="100000"/>
-                        </a:lnSpc>
-                        <a:spcBef>
-                          <a:spcPts val="0"/>
-                        </a:spcBef>
-                        <a:spcAft>
-                          <a:spcPts val="0"/>
-                        </a:spcAft>
-                        <a:buFontTx/>
-                        <a:buNone/>
-                      </a:pPr>
-                      <a:r>
-                        <a:rPr lang="en-US" altLang="ko-KR" sz="1800" dirty="0" smtClean="0">
-                          <a:solidFill>
-                            <a:schemeClr val="dk1"/>
-                          </a:solidFill>
-                          <a:latin typeface="맑은 고딕" charset="0"/>
-                          <a:ea typeface="맑은 고딕" charset="0"/>
-                        </a:rPr>
-                        <a:t>?</a:t>
+                        <a:t>1회</a:t>
                       </a:r>
                       <a:endParaRPr lang="ko-KR" altLang="en-US" sz="1800" dirty="0" smtClean="0">
                         <a:solidFill>
@@ -9952,8 +9842,8 @@
           <p:nvPr/>
         </p:nvGraphicFramePr>
         <p:xfrm>
-          <a:off x="-3175" y="756920"/>
-          <a:ext cx="9120506" cy="4434840"/>
+          <a:off x="-3175" y="1078865"/>
+          <a:ext cx="9120506" cy="4065270"/>
         </p:xfrm>
         <a:graphic>
           <a:graphicData uri="http://schemas.openxmlformats.org/drawingml/2006/table">
@@ -10072,7 +9962,7 @@
                           <a:latin typeface="맑은 고딕" charset="0"/>
                           <a:ea typeface="맑은 고딕" charset="0"/>
                         </a:rPr>
-                        <a:t>1</a:t>
+                        <a:t>Week of Oct 6</a:t>
                       </a:r>
                       <a:endParaRPr lang="ko-KR" altLang="en-US" sz="1800" dirty="0" smtClean="0">
                         <a:solidFill>
@@ -10152,7 +10042,7 @@
                           <a:latin typeface="맑은 고딕" charset="0"/>
                           <a:ea typeface="맑은 고딕" charset="0"/>
                         </a:rPr>
-                        <a:t>2</a:t>
+                        <a:t>Week of Oct 13</a:t>
                       </a:r>
                       <a:endParaRPr lang="ko-KR" altLang="en-US" sz="1800" dirty="0" smtClean="0">
                         <a:solidFill>
@@ -10232,7 +10122,7 @@
                           <a:latin typeface="맑은 고딕" charset="0"/>
                           <a:ea typeface="맑은 고딕" charset="0"/>
                         </a:rPr>
-                        <a:t>3</a:t>
+                        <a:t>Week of Oct 20</a:t>
                       </a:r>
                       <a:endParaRPr lang="ko-KR" altLang="en-US" sz="1800" dirty="0" smtClean="0">
                         <a:solidFill>
@@ -10312,7 +10202,7 @@
                           <a:latin typeface="맑은 고딕" charset="0"/>
                           <a:ea typeface="맑은 고딕" charset="0"/>
                         </a:rPr>
-                        <a:t>4</a:t>
+                        <a:t>Week of Oct 27</a:t>
                       </a:r>
                       <a:endParaRPr lang="ko-KR" altLang="en-US" sz="1800" dirty="0" smtClean="0">
                         <a:solidFill>
@@ -10392,7 +10282,7 @@
                           <a:latin typeface="맑은 고딕" charset="0"/>
                           <a:ea typeface="맑은 고딕" charset="0"/>
                         </a:rPr>
-                        <a:t>5</a:t>
+                        <a:t>Week of Nov 3</a:t>
                       </a:r>
                       <a:endParaRPr lang="ko-KR" altLang="en-US" sz="1800" dirty="0" smtClean="0">
                         <a:solidFill>
@@ -10472,7 +10362,7 @@
                           <a:latin typeface="맑은 고딕" charset="0"/>
                           <a:ea typeface="맑은 고딕" charset="0"/>
                         </a:rPr>
-                        <a:t>6</a:t>
+                        <a:t>Week of Nov 10</a:t>
                       </a:r>
                       <a:endParaRPr lang="ko-KR" altLang="en-US" sz="1800" dirty="0" smtClean="0">
                         <a:solidFill>
@@ -10552,7 +10442,7 @@
                           <a:latin typeface="맑은 고딕" charset="0"/>
                           <a:ea typeface="맑은 고딕" charset="0"/>
                         </a:rPr>
-                        <a:t>7</a:t>
+                        <a:t>Week of Nov 17</a:t>
                       </a:r>
                       <a:endParaRPr lang="ko-KR" altLang="en-US" sz="1800" dirty="0" smtClean="0">
                         <a:solidFill>
@@ -10632,7 +10522,7 @@
                           <a:latin typeface="맑은 고딕" charset="0"/>
                           <a:ea typeface="맑은 고딕" charset="0"/>
                         </a:rPr>
-                        <a:t>8</a:t>
+                        <a:t>Week of Nov 24</a:t>
                       </a:r>
                       <a:endParaRPr lang="ko-KR" altLang="en-US" sz="1800" dirty="0" smtClean="0">
                         <a:solidFill>
@@ -10712,7 +10602,7 @@
                           <a:latin typeface="맑은 고딕" charset="0"/>
                           <a:ea typeface="맑은 고딕" charset="0"/>
                         </a:rPr>
-                        <a:t>9</a:t>
+                        <a:t>Week of Dec 1</a:t>
                       </a:r>
                       <a:endParaRPr lang="ko-KR" altLang="en-US" sz="1800" dirty="0" smtClean="0">
                         <a:solidFill>
@@ -10792,7 +10682,7 @@
                           <a:latin typeface="맑은 고딕" charset="0"/>
                           <a:ea typeface="맑은 고딕" charset="0"/>
                         </a:rPr>
-                        <a:t>10</a:t>
+                        <a:t>Week of Dec 8</a:t>
                       </a:r>
                       <a:endParaRPr lang="ko-KR" altLang="en-US" sz="1800" dirty="0" smtClean="0">
                         <a:solidFill>
@@ -10831,11 +10721,117 @@
                           <a:latin typeface="맑은 고딕" charset="0"/>
                           <a:ea typeface="맑은 고딕" charset="0"/>
                         </a:rPr>
-                        <a:t>?</a:t>
+                        <a:t>1회</a:t>
                       </a:r>
                       <a:endParaRPr lang="ko-KR" altLang="en-US" sz="1800" dirty="0" smtClean="0">
                         <a:solidFill>
                           <a:schemeClr val="dk1"/>
+                        </a:solidFill>
+                        <a:latin typeface="맑은 고딕" charset="0"/>
+                        <a:ea typeface="맑은 고딕" charset="0"/>
+                      </a:endParaRPr>
+                    </a:p>
+                  </a:txBody>
+                  <a:tcPr marL="90170" marR="90170" marT="46990" marB="46990" anchor="t"/>
+                </a:tc>
+              </a:tr>
+            </a:tbl>
+          </a:graphicData>
+        </a:graphic>
+      </p:graphicFrame>
+      <p:graphicFrame>
+        <p:nvGraphicFramePr>
+          <p:cNvPr id="3" name="표 1"/>
+          <p:cNvGraphicFramePr>
+            <a:graphicFrameLocks noGrp="1"/>
+          </p:cNvGraphicFramePr>
+          <p:nvPr/>
+        </p:nvGraphicFramePr>
+        <p:xfrm>
+          <a:off x="-3175" y="1078865"/>
+          <a:ext cx="9120506" cy="4065270"/>
+        </p:xfrm>
+        <a:graphic>
+          <a:graphicData uri="http://schemas.openxmlformats.org/drawingml/2006/table">
+            <a:tbl>
+              <a:tblPr firstRow="1" bandRow="1">
+                <a:tableStyleId>{5C22544A-7EE6-4342-B048-85BDC9FD1C3A}</a:tableStyleId>
+              </a:tblPr>
+              <a:tblGrid>
+                <a:gridCol w="4558030"/>
+                <a:gridCol w="4562475"/>
+              </a:tblGrid>
+              <a:tr h="369570">
+                <a:tc>
+                  <a:txBody>
+                    <a:bodyPr/>
+                    <a:lstStyle/>
+                    <a:p>
+                      <a:pPr marL="0" indent="0" algn="l" fontAlgn="auto" defTabSz="508000" eaLnBrk="0">
+                        <a:lnSpc>
+                          <a:spcPct val="100000"/>
+                        </a:lnSpc>
+                        <a:spcBef>
+                          <a:spcPts val="0"/>
+                        </a:spcBef>
+                        <a:spcAft>
+                          <a:spcPts val="0"/>
+                        </a:spcAft>
+                        <a:buFontTx/>
+                        <a:buNone/>
+                      </a:pPr>
+                      <a:r>
+                        <a:rPr lang="en-US" altLang="ko-KR" sz="1800" dirty="0" smtClean="0" b="1">
+                          <a:solidFill>
+                            <a:schemeClr val="lt1"/>
+                          </a:solidFill>
+                          <a:latin typeface="맑은 고딕" charset="0"/>
+                          <a:ea typeface="맑은 고딕" charset="0"/>
+                        </a:rPr>
+                        <a:t>주</a:t>
+                      </a:r>
+                      <a:endParaRPr lang="ko-KR" altLang="en-US" sz="1800" dirty="0" smtClean="0" b="1">
+                        <a:solidFill>
+                          <a:schemeClr val="lt1"/>
+                        </a:solidFill>
+                        <a:latin typeface="맑은 고딕" charset="0"/>
+                        <a:ea typeface="맑은 고딕" charset="0"/>
+                      </a:endParaRPr>
+                    </a:p>
+                  </a:txBody>
+                  <a:tcPr marL="90170" marR="90170" marT="46990" marB="46990" anchor="t"/>
+                </a:tc>
+                <a:tc>
+                  <a:txBody>
+                    <a:bodyPr/>
+                    <a:lstStyle/>
+                    <a:p>
+                      <a:pPr marL="0" indent="0" algn="l" fontAlgn="auto" defTabSz="508000" eaLnBrk="0">
+                        <a:lnSpc>
+                          <a:spcPct val="100000"/>
+                        </a:lnSpc>
+                        <a:spcBef>
+                          <a:spcPts val="0"/>
+                        </a:spcBef>
+                        <a:spcAft>
+                          <a:spcPts val="0"/>
+                        </a:spcAft>
+                        <a:buFontTx/>
+                        <a:buNone/>
+                      </a:pPr>
+                      <a:r>
+                        <a:rPr lang="en-US" altLang="ko-KR" sz="1800" dirty="0" smtClean="0" b="1">
+                          <a:solidFill>
+                            <a:schemeClr val="lt1"/>
+                          </a:solidFill>
+                          <a:latin typeface="맑은 고딕" charset="0"/>
+                          <a:ea typeface="맑은 고딕" charset="0"/>
+                        </a:rPr>
+                        <a:t>커밋횟수</a:t>
+                      </a:r>
+                      <a:endParaRPr lang="ko-KR" altLang="en-US" sz="1800" dirty="0" smtClean="0" b="1">
+                        <a:solidFill>
+                          <a:schemeClr val="lt1"/>
                         </a:solidFill>
                         <a:latin typeface="맑은 고딕" charset="0"/>
                         <a:ea typeface="맑은 고딕" charset="0"/>
@@ -10872,7 +10868,7 @@
                           <a:latin typeface="맑은 고딕" charset="0"/>
                           <a:ea typeface="맑은 고딕" charset="0"/>
                         </a:rPr>
-                        <a:t>평균</a:t>
+                        <a:t>Week of Oct 6</a:t>
                       </a:r>
                       <a:endParaRPr lang="ko-KR" altLang="en-US" sz="1800" dirty="0" smtClean="0">
                         <a:solidFill>
@@ -10911,7 +10907,7 @@
                           <a:latin typeface="맑은 고딕" charset="0"/>
                           <a:ea typeface="맑은 고딕" charset="0"/>
                         </a:rPr>
-                        <a:t>?</a:t>
+                        <a:t>7회</a:t>
                       </a:r>
                       <a:endParaRPr lang="ko-KR" altLang="en-US" sz="1800" dirty="0" smtClean="0">
                         <a:solidFill>
@@ -10925,10 +10921,759 @@
                   <a:tcPr marL="90170" marR="90170" marT="46990" marB="46990" anchor="t"/>
                 </a:tc>
               </a:tr>
+              <a:tr h="369570">
+                <a:tc>
+                  <a:txBody>
+                    <a:bodyPr/>
+                    <a:lstStyle/>
+                    <a:p>
+                      <a:pPr marL="0" indent="0" algn="l" fontAlgn="auto" defTabSz="508000" eaLnBrk="0">
+                        <a:lnSpc>
+                          <a:spcPct val="100000"/>
+                        </a:lnSpc>
+                        <a:spcBef>
+                          <a:spcPts val="0"/>
+                        </a:spcBef>
+                        <a:spcAft>
+                          <a:spcPts val="0"/>
+                        </a:spcAft>
+                        <a:buFontTx/>
+                        <a:buNone/>
+                      </a:pPr>
+                      <a:r>
+                        <a:rPr lang="en-US" altLang="ko-KR" sz="1800" dirty="0" smtClean="0">
+                          <a:solidFill>
+                            <a:schemeClr val="dk1"/>
+                          </a:solidFill>
+                          <a:latin typeface="맑은 고딕" charset="0"/>
+                          <a:ea typeface="맑은 고딕" charset="0"/>
+                        </a:rPr>
+                        <a:t>Week of Oct 13</a:t>
+                      </a:r>
+                      <a:endParaRPr lang="ko-KR" altLang="en-US" sz="1800" dirty="0" smtClean="0">
+                        <a:solidFill>
+                          <a:schemeClr val="dk1"/>
+                        </a:solidFill>
+                        <a:latin typeface="맑은 고딕" charset="0"/>
+                        <a:ea typeface="맑은 고딕" charset="0"/>
+                      </a:endParaRPr>
+                    </a:p>
+                  </a:txBody>
+                  <a:tcPr marL="90170" marR="90170" marT="46990" marB="46990" anchor="t"/>
+                </a:tc>
+                <a:tc>
+                  <a:txBody>
+                    <a:bodyPr/>
+                    <a:lstStyle/>
+                    <a:p>
+                      <a:pPr marL="0" indent="0" algn="l" fontAlgn="auto" defTabSz="508000" eaLnBrk="0">
+                        <a:lnSpc>
+                          <a:spcPct val="100000"/>
+                        </a:lnSpc>
+                        <a:spcBef>
+                          <a:spcPts val="0"/>
+                        </a:spcBef>
+                        <a:spcAft>
+                          <a:spcPts val="0"/>
+                        </a:spcAft>
+                        <a:buFontTx/>
+                        <a:buNone/>
+                      </a:pPr>
+                      <a:r>
+                        <a:rPr lang="en-US" altLang="ko-KR" sz="1800" dirty="0" smtClean="0">
+                          <a:solidFill>
+                            <a:schemeClr val="dk1"/>
+                          </a:solidFill>
+                          <a:latin typeface="맑은 고딕" charset="0"/>
+                          <a:ea typeface="맑은 고딕" charset="0"/>
+                        </a:rPr>
+                        <a:t>5회</a:t>
+                      </a:r>
+                      <a:endParaRPr lang="ko-KR" altLang="en-US" sz="1800" dirty="0" smtClean="0">
+                        <a:solidFill>
+                          <a:schemeClr val="dk1"/>
+                        </a:solidFill>
+                        <a:latin typeface="맑은 고딕" charset="0"/>
+                        <a:ea typeface="맑은 고딕" charset="0"/>
+                      </a:endParaRPr>
+                    </a:p>
+                  </a:txBody>
+                  <a:tcPr marL="90170" marR="90170" marT="46990" marB="46990" anchor="t"/>
+                </a:tc>
+              </a:tr>
+              <a:tr h="369570">
+                <a:tc>
+                  <a:txBody>
+                    <a:bodyPr/>
+                    <a:lstStyle/>
+                    <a:p>
+                      <a:pPr marL="0" indent="0" algn="l" fontAlgn="auto" defTabSz="508000" eaLnBrk="0">
+                        <a:lnSpc>
+                          <a:spcPct val="100000"/>
+                        </a:lnSpc>
+                        <a:spcBef>
+                          <a:spcPts val="0"/>
+                        </a:spcBef>
+                        <a:spcAft>
+                          <a:spcPts val="0"/>
+                        </a:spcAft>
+                        <a:buFontTx/>
+                        <a:buNone/>
+                      </a:pPr>
+                      <a:r>
+                        <a:rPr lang="en-US" altLang="ko-KR" sz="1800" dirty="0" smtClean="0">
+                          <a:solidFill>
+                            <a:schemeClr val="dk1"/>
+                          </a:solidFill>
+                          <a:latin typeface="맑은 고딕" charset="0"/>
+                          <a:ea typeface="맑은 고딕" charset="0"/>
+                        </a:rPr>
+                        <a:t>Week of Oct 20</a:t>
+                      </a:r>
+                      <a:endParaRPr lang="ko-KR" altLang="en-US" sz="1800" dirty="0" smtClean="0">
+                        <a:solidFill>
+                          <a:schemeClr val="dk1"/>
+                        </a:solidFill>
+                        <a:latin typeface="맑은 고딕" charset="0"/>
+                        <a:ea typeface="맑은 고딕" charset="0"/>
+                      </a:endParaRPr>
+                    </a:p>
+                  </a:txBody>
+                  <a:tcPr marL="90170" marR="90170" marT="46990" marB="46990" anchor="t"/>
+                </a:tc>
+                <a:tc>
+                  <a:txBody>
+                    <a:bodyPr/>
+                    <a:lstStyle/>
+                    <a:p>
+                      <a:pPr marL="0" indent="0" algn="l" fontAlgn="auto" defTabSz="508000" eaLnBrk="0">
+                        <a:lnSpc>
+                          <a:spcPct val="100000"/>
+                        </a:lnSpc>
+                        <a:spcBef>
+                          <a:spcPts val="0"/>
+                        </a:spcBef>
+                        <a:spcAft>
+                          <a:spcPts val="0"/>
+                        </a:spcAft>
+                        <a:buFontTx/>
+                        <a:buNone/>
+                      </a:pPr>
+                      <a:r>
+                        <a:rPr lang="en-US" altLang="ko-KR" sz="1800" dirty="0" smtClean="0">
+                          <a:solidFill>
+                            <a:schemeClr val="dk1"/>
+                          </a:solidFill>
+                          <a:latin typeface="맑은 고딕" charset="0"/>
+                          <a:ea typeface="맑은 고딕" charset="0"/>
+                        </a:rPr>
+                        <a:t>7회</a:t>
+                      </a:r>
+                      <a:endParaRPr lang="ko-KR" altLang="en-US" sz="1800" dirty="0" smtClean="0">
+                        <a:solidFill>
+                          <a:schemeClr val="dk1"/>
+                        </a:solidFill>
+                        <a:latin typeface="맑은 고딕" charset="0"/>
+                        <a:ea typeface="맑은 고딕" charset="0"/>
+                      </a:endParaRPr>
+                    </a:p>
+                  </a:txBody>
+                  <a:tcPr marL="90170" marR="90170" marT="46990" marB="46990" anchor="t"/>
+                </a:tc>
+              </a:tr>
+              <a:tr h="369570">
+                <a:tc>
+                  <a:txBody>
+                    <a:bodyPr/>
+                    <a:lstStyle/>
+                    <a:p>
+                      <a:pPr marL="0" indent="0" algn="l" fontAlgn="auto" defTabSz="508000" eaLnBrk="0">
+                        <a:lnSpc>
+                          <a:spcPct val="100000"/>
+                        </a:lnSpc>
+                        <a:spcBef>
+                          <a:spcPts val="0"/>
+                        </a:spcBef>
+                        <a:spcAft>
+                          <a:spcPts val="0"/>
+                        </a:spcAft>
+                        <a:buFontTx/>
+                        <a:buNone/>
+                      </a:pPr>
+                      <a:r>
+                        <a:rPr lang="en-US" altLang="ko-KR" sz="1800" dirty="0" smtClean="0">
+                          <a:solidFill>
+                            <a:schemeClr val="dk1"/>
+                          </a:solidFill>
+                          <a:latin typeface="맑은 고딕" charset="0"/>
+                          <a:ea typeface="맑은 고딕" charset="0"/>
+                        </a:rPr>
+                        <a:t>Week of Oct 27</a:t>
+                      </a:r>
+                      <a:endParaRPr lang="ko-KR" altLang="en-US" sz="1800" dirty="0" smtClean="0">
+                        <a:solidFill>
+                          <a:schemeClr val="dk1"/>
+                        </a:solidFill>
+                        <a:latin typeface="맑은 고딕" charset="0"/>
+                        <a:ea typeface="맑은 고딕" charset="0"/>
+                      </a:endParaRPr>
+                    </a:p>
+                  </a:txBody>
+                  <a:tcPr marL="90170" marR="90170" marT="46990" marB="46990" anchor="t"/>
+                </a:tc>
+                <a:tc>
+                  <a:txBody>
+                    <a:bodyPr/>
+                    <a:lstStyle/>
+                    <a:p>
+                      <a:pPr marL="0" indent="0" algn="l" fontAlgn="auto" defTabSz="508000" eaLnBrk="0">
+                        <a:lnSpc>
+                          <a:spcPct val="100000"/>
+                        </a:lnSpc>
+                        <a:spcBef>
+                          <a:spcPts val="0"/>
+                        </a:spcBef>
+                        <a:spcAft>
+                          <a:spcPts val="0"/>
+                        </a:spcAft>
+                        <a:buFontTx/>
+                        <a:buNone/>
+                      </a:pPr>
+                      <a:r>
+                        <a:rPr lang="en-US" altLang="ko-KR" sz="1800" dirty="0" smtClean="0">
+                          <a:solidFill>
+                            <a:schemeClr val="dk1"/>
+                          </a:solidFill>
+                          <a:latin typeface="맑은 고딕" charset="0"/>
+                          <a:ea typeface="맑은 고딕" charset="0"/>
+                        </a:rPr>
+                        <a:t>5회</a:t>
+                      </a:r>
+                      <a:endParaRPr lang="ko-KR" altLang="en-US" sz="1800" dirty="0" smtClean="0">
+                        <a:solidFill>
+                          <a:schemeClr val="dk1"/>
+                        </a:solidFill>
+                        <a:latin typeface="맑은 고딕" charset="0"/>
+                        <a:ea typeface="맑은 고딕" charset="0"/>
+                      </a:endParaRPr>
+                    </a:p>
+                  </a:txBody>
+                  <a:tcPr marL="90170" marR="90170" marT="46990" marB="46990" anchor="t"/>
+                </a:tc>
+              </a:tr>
+              <a:tr h="369570">
+                <a:tc>
+                  <a:txBody>
+                    <a:bodyPr/>
+                    <a:lstStyle/>
+                    <a:p>
+                      <a:pPr marL="0" indent="0" algn="l" fontAlgn="auto" defTabSz="508000" eaLnBrk="0">
+                        <a:lnSpc>
+                          <a:spcPct val="100000"/>
+                        </a:lnSpc>
+                        <a:spcBef>
+                          <a:spcPts val="0"/>
+                        </a:spcBef>
+                        <a:spcAft>
+                          <a:spcPts val="0"/>
+                        </a:spcAft>
+                        <a:buFontTx/>
+                        <a:buNone/>
+                      </a:pPr>
+                      <a:r>
+                        <a:rPr lang="en-US" altLang="ko-KR" sz="1800" dirty="0" smtClean="0">
+                          <a:solidFill>
+                            <a:schemeClr val="dk1"/>
+                          </a:solidFill>
+                          <a:latin typeface="맑은 고딕" charset="0"/>
+                          <a:ea typeface="맑은 고딕" charset="0"/>
+                        </a:rPr>
+                        <a:t>Week of Nov 3</a:t>
+                      </a:r>
+                      <a:endParaRPr lang="ko-KR" altLang="en-US" sz="1800" dirty="0" smtClean="0">
+                        <a:solidFill>
+                          <a:schemeClr val="dk1"/>
+                        </a:solidFill>
+                        <a:latin typeface="맑은 고딕" charset="0"/>
+                        <a:ea typeface="맑은 고딕" charset="0"/>
+                      </a:endParaRPr>
+                    </a:p>
+                  </a:txBody>
+                  <a:tcPr marL="90170" marR="90170" marT="46990" marB="46990" anchor="t"/>
+                </a:tc>
+                <a:tc>
+                  <a:txBody>
+                    <a:bodyPr/>
+                    <a:lstStyle/>
+                    <a:p>
+                      <a:pPr marL="0" indent="0" algn="l" fontAlgn="auto" defTabSz="508000" eaLnBrk="0">
+                        <a:lnSpc>
+                          <a:spcPct val="100000"/>
+                        </a:lnSpc>
+                        <a:spcBef>
+                          <a:spcPts val="0"/>
+                        </a:spcBef>
+                        <a:spcAft>
+                          <a:spcPts val="0"/>
+                        </a:spcAft>
+                        <a:buFontTx/>
+                        <a:buNone/>
+                      </a:pPr>
+                      <a:r>
+                        <a:rPr lang="en-US" altLang="ko-KR" sz="1800" dirty="0" smtClean="0">
+                          <a:solidFill>
+                            <a:schemeClr val="dk1"/>
+                          </a:solidFill>
+                          <a:latin typeface="맑은 고딕" charset="0"/>
+                          <a:ea typeface="맑은 고딕" charset="0"/>
+                        </a:rPr>
+                        <a:t>8회</a:t>
+                      </a:r>
+                      <a:endParaRPr lang="ko-KR" altLang="en-US" sz="1800" dirty="0" smtClean="0">
+                        <a:solidFill>
+                          <a:schemeClr val="dk1"/>
+                        </a:solidFill>
+                        <a:latin typeface="맑은 고딕" charset="0"/>
+                        <a:ea typeface="맑은 고딕" charset="0"/>
+                      </a:endParaRPr>
+                    </a:p>
+                  </a:txBody>
+                  <a:tcPr marL="90170" marR="90170" marT="46990" marB="46990" anchor="t"/>
+                </a:tc>
+              </a:tr>
+              <a:tr h="369570">
+                <a:tc>
+                  <a:txBody>
+                    <a:bodyPr/>
+                    <a:lstStyle/>
+                    <a:p>
+                      <a:pPr marL="0" indent="0" algn="l" fontAlgn="auto" defTabSz="508000" eaLnBrk="0">
+                        <a:lnSpc>
+                          <a:spcPct val="100000"/>
+                        </a:lnSpc>
+                        <a:spcBef>
+                          <a:spcPts val="0"/>
+                        </a:spcBef>
+                        <a:spcAft>
+                          <a:spcPts val="0"/>
+                        </a:spcAft>
+                        <a:buFontTx/>
+                        <a:buNone/>
+                      </a:pPr>
+                      <a:r>
+                        <a:rPr lang="en-US" altLang="ko-KR" sz="1800" dirty="0" smtClean="0">
+                          <a:solidFill>
+                            <a:schemeClr val="dk1"/>
+                          </a:solidFill>
+                          <a:latin typeface="맑은 고딕" charset="0"/>
+                          <a:ea typeface="맑은 고딕" charset="0"/>
+                        </a:rPr>
+                        <a:t>Week of Nov 10</a:t>
+                      </a:r>
+                      <a:endParaRPr lang="ko-KR" altLang="en-US" sz="1800" dirty="0" smtClean="0">
+                        <a:solidFill>
+                          <a:schemeClr val="dk1"/>
+                        </a:solidFill>
+                        <a:latin typeface="맑은 고딕" charset="0"/>
+                        <a:ea typeface="맑은 고딕" charset="0"/>
+                      </a:endParaRPr>
+                    </a:p>
+                  </a:txBody>
+                  <a:tcPr marL="90170" marR="90170" marT="46990" marB="46990" anchor="t"/>
+                </a:tc>
+                <a:tc>
+                  <a:txBody>
+                    <a:bodyPr/>
+                    <a:lstStyle/>
+                    <a:p>
+                      <a:pPr marL="0" indent="0" algn="l" fontAlgn="auto" defTabSz="508000" eaLnBrk="0">
+                        <a:lnSpc>
+                          <a:spcPct val="100000"/>
+                        </a:lnSpc>
+                        <a:spcBef>
+                          <a:spcPts val="0"/>
+                        </a:spcBef>
+                        <a:spcAft>
+                          <a:spcPts val="0"/>
+                        </a:spcAft>
+                        <a:buFontTx/>
+                        <a:buNone/>
+                      </a:pPr>
+                      <a:r>
+                        <a:rPr lang="en-US" altLang="ko-KR" sz="1800" dirty="0" smtClean="0">
+                          <a:solidFill>
+                            <a:schemeClr val="dk1"/>
+                          </a:solidFill>
+                          <a:latin typeface="맑은 고딕" charset="0"/>
+                          <a:ea typeface="맑은 고딕" charset="0"/>
+                        </a:rPr>
+                        <a:t>7회</a:t>
+                      </a:r>
+                      <a:endParaRPr lang="ko-KR" altLang="en-US" sz="1800" dirty="0" smtClean="0">
+                        <a:solidFill>
+                          <a:schemeClr val="dk1"/>
+                        </a:solidFill>
+                        <a:latin typeface="맑은 고딕" charset="0"/>
+                        <a:ea typeface="맑은 고딕" charset="0"/>
+                      </a:endParaRPr>
+                    </a:p>
+                  </a:txBody>
+                  <a:tcPr marL="90170" marR="90170" marT="46990" marB="46990" anchor="t"/>
+                </a:tc>
+              </a:tr>
+              <a:tr h="369570">
+                <a:tc>
+                  <a:txBody>
+                    <a:bodyPr/>
+                    <a:lstStyle/>
+                    <a:p>
+                      <a:pPr marL="0" indent="0" algn="l" fontAlgn="auto" defTabSz="508000" eaLnBrk="0">
+                        <a:lnSpc>
+                          <a:spcPct val="100000"/>
+                        </a:lnSpc>
+                        <a:spcBef>
+                          <a:spcPts val="0"/>
+                        </a:spcBef>
+                        <a:spcAft>
+                          <a:spcPts val="0"/>
+                        </a:spcAft>
+                        <a:buFontTx/>
+                        <a:buNone/>
+                      </a:pPr>
+                      <a:r>
+                        <a:rPr lang="en-US" altLang="ko-KR" sz="1800" dirty="0" smtClean="0">
+                          <a:solidFill>
+                            <a:schemeClr val="dk1"/>
+                          </a:solidFill>
+                          <a:latin typeface="맑은 고딕" charset="0"/>
+                          <a:ea typeface="맑은 고딕" charset="0"/>
+                        </a:rPr>
+                        <a:t>Week of Nov 17</a:t>
+                      </a:r>
+                      <a:endParaRPr lang="ko-KR" altLang="en-US" sz="1800" dirty="0" smtClean="0">
+                        <a:solidFill>
+                          <a:schemeClr val="dk1"/>
+                        </a:solidFill>
+                        <a:latin typeface="맑은 고딕" charset="0"/>
+                        <a:ea typeface="맑은 고딕" charset="0"/>
+                      </a:endParaRPr>
+                    </a:p>
+                  </a:txBody>
+                  <a:tcPr marL="90170" marR="90170" marT="46990" marB="46990" anchor="t"/>
+                </a:tc>
+                <a:tc>
+                  <a:txBody>
+                    <a:bodyPr/>
+                    <a:lstStyle/>
+                    <a:p>
+                      <a:pPr marL="0" indent="0" algn="l" fontAlgn="auto" defTabSz="508000" eaLnBrk="0">
+                        <a:lnSpc>
+                          <a:spcPct val="100000"/>
+                        </a:lnSpc>
+                        <a:spcBef>
+                          <a:spcPts val="0"/>
+                        </a:spcBef>
+                        <a:spcAft>
+                          <a:spcPts val="0"/>
+                        </a:spcAft>
+                        <a:buFontTx/>
+                        <a:buNone/>
+                      </a:pPr>
+                      <a:r>
+                        <a:rPr lang="en-US" altLang="ko-KR" sz="1800" dirty="0" smtClean="0">
+                          <a:solidFill>
+                            <a:schemeClr val="dk1"/>
+                          </a:solidFill>
+                          <a:latin typeface="맑은 고딕" charset="0"/>
+                          <a:ea typeface="맑은 고딕" charset="0"/>
+                        </a:rPr>
+                        <a:t>7회</a:t>
+                      </a:r>
+                      <a:endParaRPr lang="ko-KR" altLang="en-US" sz="1800" dirty="0" smtClean="0">
+                        <a:solidFill>
+                          <a:schemeClr val="dk1"/>
+                        </a:solidFill>
+                        <a:latin typeface="맑은 고딕" charset="0"/>
+                        <a:ea typeface="맑은 고딕" charset="0"/>
+                      </a:endParaRPr>
+                    </a:p>
+                  </a:txBody>
+                  <a:tcPr marL="90170" marR="90170" marT="46990" marB="46990" anchor="t"/>
+                </a:tc>
+              </a:tr>
+              <a:tr h="369570">
+                <a:tc>
+                  <a:txBody>
+                    <a:bodyPr/>
+                    <a:lstStyle/>
+                    <a:p>
+                      <a:pPr marL="0" indent="0" algn="l" fontAlgn="auto" defTabSz="508000" eaLnBrk="0">
+                        <a:lnSpc>
+                          <a:spcPct val="100000"/>
+                        </a:lnSpc>
+                        <a:spcBef>
+                          <a:spcPts val="0"/>
+                        </a:spcBef>
+                        <a:spcAft>
+                          <a:spcPts val="0"/>
+                        </a:spcAft>
+                        <a:buFontTx/>
+                        <a:buNone/>
+                      </a:pPr>
+                      <a:r>
+                        <a:rPr lang="en-US" altLang="ko-KR" sz="1800" dirty="0" smtClean="0">
+                          <a:solidFill>
+                            <a:schemeClr val="dk1"/>
+                          </a:solidFill>
+                          <a:latin typeface="맑은 고딕" charset="0"/>
+                          <a:ea typeface="맑은 고딕" charset="0"/>
+                        </a:rPr>
+                        <a:t>Week of Nov 24</a:t>
+                      </a:r>
+                      <a:endParaRPr lang="ko-KR" altLang="en-US" sz="1800" dirty="0" smtClean="0">
+                        <a:solidFill>
+                          <a:schemeClr val="dk1"/>
+                        </a:solidFill>
+                        <a:latin typeface="맑은 고딕" charset="0"/>
+                        <a:ea typeface="맑은 고딕" charset="0"/>
+                      </a:endParaRPr>
+                    </a:p>
+                  </a:txBody>
+                  <a:tcPr marL="90170" marR="90170" marT="46990" marB="46990" anchor="t"/>
+                </a:tc>
+                <a:tc>
+                  <a:txBody>
+                    <a:bodyPr/>
+                    <a:lstStyle/>
+                    <a:p>
+                      <a:pPr marL="0" indent="0" algn="l" fontAlgn="auto" defTabSz="508000" eaLnBrk="0">
+                        <a:lnSpc>
+                          <a:spcPct val="100000"/>
+                        </a:lnSpc>
+                        <a:spcBef>
+                          <a:spcPts val="0"/>
+                        </a:spcBef>
+                        <a:spcAft>
+                          <a:spcPts val="0"/>
+                        </a:spcAft>
+                        <a:buFontTx/>
+                        <a:buNone/>
+                      </a:pPr>
+                      <a:r>
+                        <a:rPr lang="en-US" altLang="ko-KR" sz="1800" dirty="0" smtClean="0">
+                          <a:solidFill>
+                            <a:schemeClr val="dk1"/>
+                          </a:solidFill>
+                          <a:latin typeface="맑은 고딕" charset="0"/>
+                          <a:ea typeface="맑은 고딕" charset="0"/>
+                        </a:rPr>
+                        <a:t>7회</a:t>
+                      </a:r>
+                      <a:endParaRPr lang="ko-KR" altLang="en-US" sz="1800" dirty="0" smtClean="0">
+                        <a:solidFill>
+                          <a:schemeClr val="dk1"/>
+                        </a:solidFill>
+                        <a:latin typeface="맑은 고딕" charset="0"/>
+                        <a:ea typeface="맑은 고딕" charset="0"/>
+                      </a:endParaRPr>
+                    </a:p>
+                  </a:txBody>
+                  <a:tcPr marL="90170" marR="90170" marT="46990" marB="46990" anchor="t"/>
+                </a:tc>
+              </a:tr>
+              <a:tr h="369570">
+                <a:tc>
+                  <a:txBody>
+                    <a:bodyPr/>
+                    <a:lstStyle/>
+                    <a:p>
+                      <a:pPr marL="0" indent="0" algn="l" fontAlgn="auto" defTabSz="508000" eaLnBrk="0">
+                        <a:lnSpc>
+                          <a:spcPct val="100000"/>
+                        </a:lnSpc>
+                        <a:spcBef>
+                          <a:spcPts val="0"/>
+                        </a:spcBef>
+                        <a:spcAft>
+                          <a:spcPts val="0"/>
+                        </a:spcAft>
+                        <a:buFontTx/>
+                        <a:buNone/>
+                      </a:pPr>
+                      <a:r>
+                        <a:rPr lang="en-US" altLang="ko-KR" sz="1800" dirty="0" smtClean="0">
+                          <a:solidFill>
+                            <a:schemeClr val="dk1"/>
+                          </a:solidFill>
+                          <a:latin typeface="맑은 고딕" charset="0"/>
+                          <a:ea typeface="맑은 고딕" charset="0"/>
+                        </a:rPr>
+                        <a:t>Week of Dec 1</a:t>
+                      </a:r>
+                      <a:endParaRPr lang="ko-KR" altLang="en-US" sz="1800" dirty="0" smtClean="0">
+                        <a:solidFill>
+                          <a:schemeClr val="dk1"/>
+                        </a:solidFill>
+                        <a:latin typeface="맑은 고딕" charset="0"/>
+                        <a:ea typeface="맑은 고딕" charset="0"/>
+                      </a:endParaRPr>
+                    </a:p>
+                  </a:txBody>
+                  <a:tcPr marL="90170" marR="90170" marT="46990" marB="46990" anchor="t"/>
+                </a:tc>
+                <a:tc>
+                  <a:txBody>
+                    <a:bodyPr/>
+                    <a:lstStyle/>
+                    <a:p>
+                      <a:pPr marL="0" indent="0" algn="l" fontAlgn="auto" defTabSz="508000" eaLnBrk="0">
+                        <a:lnSpc>
+                          <a:spcPct val="100000"/>
+                        </a:lnSpc>
+                        <a:spcBef>
+                          <a:spcPts val="0"/>
+                        </a:spcBef>
+                        <a:spcAft>
+                          <a:spcPts val="0"/>
+                        </a:spcAft>
+                        <a:buFontTx/>
+                        <a:buNone/>
+                      </a:pPr>
+                      <a:r>
+                        <a:rPr lang="en-US" altLang="ko-KR" sz="1800" dirty="0" smtClean="0">
+                          <a:solidFill>
+                            <a:schemeClr val="dk1"/>
+                          </a:solidFill>
+                          <a:latin typeface="맑은 고딕" charset="0"/>
+                          <a:ea typeface="맑은 고딕" charset="0"/>
+                        </a:rPr>
+                        <a:t>6회</a:t>
+                      </a:r>
+                      <a:endParaRPr lang="ko-KR" altLang="en-US" sz="1800" dirty="0" smtClean="0">
+                        <a:solidFill>
+                          <a:schemeClr val="dk1"/>
+                        </a:solidFill>
+                        <a:latin typeface="맑은 고딕" charset="0"/>
+                        <a:ea typeface="맑은 고딕" charset="0"/>
+                      </a:endParaRPr>
+                    </a:p>
+                  </a:txBody>
+                  <a:tcPr marL="90170" marR="90170" marT="46990" marB="46990" anchor="t"/>
+                </a:tc>
+              </a:tr>
+              <a:tr h="369570">
+                <a:tc>
+                  <a:txBody>
+                    <a:bodyPr/>
+                    <a:lstStyle/>
+                    <a:p>
+                      <a:pPr marL="0" indent="0" algn="l" fontAlgn="auto" defTabSz="508000" eaLnBrk="0">
+                        <a:lnSpc>
+                          <a:spcPct val="100000"/>
+                        </a:lnSpc>
+                        <a:spcBef>
+                          <a:spcPts val="0"/>
+                        </a:spcBef>
+                        <a:spcAft>
+                          <a:spcPts val="0"/>
+                        </a:spcAft>
+                        <a:buFontTx/>
+                        <a:buNone/>
+                      </a:pPr>
+                      <a:r>
+                        <a:rPr lang="en-US" altLang="ko-KR" sz="1800" dirty="0" smtClean="0">
+                          <a:solidFill>
+                            <a:schemeClr val="dk1"/>
+                          </a:solidFill>
+                          <a:latin typeface="맑은 고딕" charset="0"/>
+                          <a:ea typeface="맑은 고딕" charset="0"/>
+                        </a:rPr>
+                        <a:t>Week of Dec 8</a:t>
+                      </a:r>
+                      <a:endParaRPr lang="ko-KR" altLang="en-US" sz="1800" dirty="0" smtClean="0">
+                        <a:solidFill>
+                          <a:schemeClr val="dk1"/>
+                        </a:solidFill>
+                        <a:latin typeface="맑은 고딕" charset="0"/>
+                        <a:ea typeface="맑은 고딕" charset="0"/>
+                      </a:endParaRPr>
+                    </a:p>
+                  </a:txBody>
+                  <a:tcPr marL="90170" marR="90170" marT="46990" marB="46990" anchor="t"/>
+                </a:tc>
+                <a:tc>
+                  <a:txBody>
+                    <a:bodyPr/>
+                    <a:lstStyle/>
+                    <a:p>
+                      <a:pPr marL="0" indent="0" algn="l" fontAlgn="auto" defTabSz="508000" eaLnBrk="0">
+                        <a:lnSpc>
+                          <a:spcPct val="100000"/>
+                        </a:lnSpc>
+                        <a:spcBef>
+                          <a:spcPts val="0"/>
+                        </a:spcBef>
+                        <a:spcAft>
+                          <a:spcPts val="0"/>
+                        </a:spcAft>
+                        <a:buFontTx/>
+                        <a:buNone/>
+                      </a:pPr>
+                      <a:r>
+                        <a:rPr lang="en-US" altLang="ko-KR" sz="1800" dirty="0" smtClean="0">
+                          <a:solidFill>
+                            <a:schemeClr val="dk1"/>
+                          </a:solidFill>
+                          <a:latin typeface="맑은 고딕" charset="0"/>
+                          <a:ea typeface="맑은 고딕" charset="0"/>
+                        </a:rPr>
+                        <a:t>1회</a:t>
+                      </a:r>
+                      <a:endParaRPr lang="ko-KR" altLang="en-US" sz="1800" dirty="0" smtClean="0">
+                        <a:solidFill>
+                          <a:schemeClr val="dk1"/>
+                        </a:solidFill>
+                        <a:latin typeface="맑은 고딕" charset="0"/>
+                        <a:ea typeface="맑은 고딕" charset="0"/>
+                      </a:endParaRPr>
+                    </a:p>
+                  </a:txBody>
+                  <a:tcPr marL="90170" marR="90170" marT="46990" marB="46990" anchor="t"/>
+                </a:tc>
+              </a:tr>
             </a:tbl>
           </a:graphicData>
         </a:graphic>
       </p:graphicFrame>
+      <p:pic>
+        <p:nvPicPr>
+          <p:cNvPr id="4" name="그림 1" descr="C:/Users/ì¬ì¤/AppData/Roaming/PolarisOffice/ETemp/5896_13250912/fImage739510841.png"/>
+          <p:cNvPicPr>
+            <a:picLocks noChangeAspect="1"/>
+          </p:cNvPicPr>
+          <p:nvPr/>
+        </p:nvPicPr>
+        <p:blipFill rotWithShape="1">
+          <a:blip r:embed="rId3">
+            <a:extLst>
+              <a:ext uri="{28A0092B-C50C-407E-A947-70E740481C1C}">
+                <a14:useLocalDpi xmlns:a14="http://schemas.microsoft.com/office/drawing/2010/main" val="0"/>
+              </a:ext>
+            </a:extLst>
+          </a:blip>
+          <a:stretch>
+            <a:fillRect/>
+          </a:stretch>
+        </p:blipFill>
+        <p:spPr>
+          <a:xfrm rot="0">
+            <a:off x="1892934" y="-65405"/>
+            <a:ext cx="6068695" cy="1151255"/>
+          </a:xfrm>
+          <a:prstGeom prst="rect"/>
+          <a:noFill/>
+        </p:spPr>
+      </p:pic>
     </p:spTree>
   </p:cSld>
   <p:clrMapOvr>
